--- a/Presentations/firstEval.pptx
+++ b/Presentations/firstEval.pptx
@@ -233,7 +233,7 @@
           <a:p>
             <a:fld id="{594469E2-7578-498B-A3C6-F48F2C285648}" type="datetimeFigureOut">
               <a:rPr lang="en-IN" smtClean="0"/>
-              <a:t>03-04-2023</a:t>
+              <a:t>10-04-2023</a:t>
             </a:fld>
             <a:endParaRPr lang="en-IN"/>
           </a:p>
@@ -2920,7 +2920,7 @@
           <a:p>
             <a:fld id="{7FA025A1-984E-4B5B-BCCE-8DF38927D2FD}" type="datetimeFigureOut">
               <a:rPr lang="en-IN" smtClean="0"/>
-              <a:t>03-04-2023</a:t>
+              <a:t>10-04-2023</a:t>
             </a:fld>
             <a:endParaRPr lang="en-IN"/>
           </a:p>
@@ -3183,7 +3183,7 @@
           <a:p>
             <a:fld id="{7FA025A1-984E-4B5B-BCCE-8DF38927D2FD}" type="datetimeFigureOut">
               <a:rPr lang="en-IN" smtClean="0"/>
-              <a:t>03-04-2023</a:t>
+              <a:t>10-04-2023</a:t>
             </a:fld>
             <a:endParaRPr lang="en-IN"/>
           </a:p>
@@ -3509,7 +3509,7 @@
           <a:p>
             <a:fld id="{7FA025A1-984E-4B5B-BCCE-8DF38927D2FD}" type="datetimeFigureOut">
               <a:rPr lang="en-IN" smtClean="0"/>
-              <a:t>03-04-2023</a:t>
+              <a:t>10-04-2023</a:t>
             </a:fld>
             <a:endParaRPr lang="en-IN"/>
           </a:p>
@@ -3862,7 +3862,7 @@
           <a:p>
             <a:fld id="{7FA025A1-984E-4B5B-BCCE-8DF38927D2FD}" type="datetimeFigureOut">
               <a:rPr lang="en-IN" smtClean="0"/>
-              <a:t>03-04-2023</a:t>
+              <a:t>10-04-2023</a:t>
             </a:fld>
             <a:endParaRPr lang="en-IN"/>
           </a:p>
@@ -4188,7 +4188,7 @@
           <a:p>
             <a:fld id="{7FA025A1-984E-4B5B-BCCE-8DF38927D2FD}" type="datetimeFigureOut">
               <a:rPr lang="en-IN" smtClean="0"/>
-              <a:t>03-04-2023</a:t>
+              <a:t>10-04-2023</a:t>
             </a:fld>
             <a:endParaRPr lang="en-IN"/>
           </a:p>
@@ -4593,7 +4593,7 @@
           <a:p>
             <a:fld id="{7FA025A1-984E-4B5B-BCCE-8DF38927D2FD}" type="datetimeFigureOut">
               <a:rPr lang="en-IN" smtClean="0"/>
-              <a:t>03-04-2023</a:t>
+              <a:t>10-04-2023</a:t>
             </a:fld>
             <a:endParaRPr lang="en-IN"/>
           </a:p>
@@ -4775,7 +4775,7 @@
           <a:p>
             <a:fld id="{7FA025A1-984E-4B5B-BCCE-8DF38927D2FD}" type="datetimeFigureOut">
               <a:rPr lang="en-IN" smtClean="0"/>
-              <a:t>03-04-2023</a:t>
+              <a:t>10-04-2023</a:t>
             </a:fld>
             <a:endParaRPr lang="en-IN"/>
           </a:p>
@@ -4967,7 +4967,7 @@
           <a:p>
             <a:fld id="{7FA025A1-984E-4B5B-BCCE-8DF38927D2FD}" type="datetimeFigureOut">
               <a:rPr lang="en-IN" smtClean="0"/>
-              <a:t>03-04-2023</a:t>
+              <a:t>10-04-2023</a:t>
             </a:fld>
             <a:endParaRPr lang="en-IN"/>
           </a:p>
@@ -5155,7 +5155,7 @@
           <a:p>
             <a:fld id="{7FA025A1-984E-4B5B-BCCE-8DF38927D2FD}" type="datetimeFigureOut">
               <a:rPr lang="en-IN" smtClean="0"/>
-              <a:t>03-04-2023</a:t>
+              <a:t>10-04-2023</a:t>
             </a:fld>
             <a:endParaRPr lang="en-IN"/>
           </a:p>
@@ -5414,7 +5414,7 @@
           <a:p>
             <a:fld id="{7FA025A1-984E-4B5B-BCCE-8DF38927D2FD}" type="datetimeFigureOut">
               <a:rPr lang="en-IN" smtClean="0"/>
-              <a:t>03-04-2023</a:t>
+              <a:t>10-04-2023</a:t>
             </a:fld>
             <a:endParaRPr lang="en-IN"/>
           </a:p>
@@ -5658,7 +5658,7 @@
           <a:p>
             <a:fld id="{7FA025A1-984E-4B5B-BCCE-8DF38927D2FD}" type="datetimeFigureOut">
               <a:rPr lang="en-IN" smtClean="0"/>
-              <a:t>03-04-2023</a:t>
+              <a:t>10-04-2023</a:t>
             </a:fld>
             <a:endParaRPr lang="en-IN"/>
           </a:p>
@@ -6044,7 +6044,7 @@
           <a:p>
             <a:fld id="{7FA025A1-984E-4B5B-BCCE-8DF38927D2FD}" type="datetimeFigureOut">
               <a:rPr lang="en-IN" smtClean="0"/>
-              <a:t>03-04-2023</a:t>
+              <a:t>10-04-2023</a:t>
             </a:fld>
             <a:endParaRPr lang="en-IN"/>
           </a:p>
@@ -6179,7 +6179,7 @@
           <a:p>
             <a:fld id="{7FA025A1-984E-4B5B-BCCE-8DF38927D2FD}" type="datetimeFigureOut">
               <a:rPr lang="en-IN" smtClean="0"/>
-              <a:t>03-04-2023</a:t>
+              <a:t>10-04-2023</a:t>
             </a:fld>
             <a:endParaRPr lang="en-IN"/>
           </a:p>
@@ -6286,7 +6286,7 @@
           <a:p>
             <a:fld id="{7FA025A1-984E-4B5B-BCCE-8DF38927D2FD}" type="datetimeFigureOut">
               <a:rPr lang="en-IN" smtClean="0"/>
-              <a:t>03-04-2023</a:t>
+              <a:t>10-04-2023</a:t>
             </a:fld>
             <a:endParaRPr lang="en-IN"/>
           </a:p>
@@ -6553,7 +6553,7 @@
           <a:p>
             <a:fld id="{7FA025A1-984E-4B5B-BCCE-8DF38927D2FD}" type="datetimeFigureOut">
               <a:rPr lang="en-IN" smtClean="0"/>
-              <a:t>03-04-2023</a:t>
+              <a:t>10-04-2023</a:t>
             </a:fld>
             <a:endParaRPr lang="en-IN"/>
           </a:p>
@@ -6828,7 +6828,7 @@
           <a:p>
             <a:fld id="{7FA025A1-984E-4B5B-BCCE-8DF38927D2FD}" type="datetimeFigureOut">
               <a:rPr lang="en-IN" smtClean="0"/>
-              <a:t>03-04-2023</a:t>
+              <a:t>10-04-2023</a:t>
             </a:fld>
             <a:endParaRPr lang="en-IN"/>
           </a:p>
@@ -7583,7 +7583,7 @@
           <a:p>
             <a:fld id="{7FA025A1-984E-4B5B-BCCE-8DF38927D2FD}" type="datetimeFigureOut">
               <a:rPr lang="en-IN" smtClean="0"/>
-              <a:t>03-04-2023</a:t>
+              <a:t>10-04-2023</a:t>
             </a:fld>
             <a:endParaRPr lang="en-IN"/>
           </a:p>
@@ -19477,10 +19477,10 @@
       </p:sp>
       <p:pic>
         <p:nvPicPr>
-          <p:cNvPr id="5" name="Picture 4">
+          <p:cNvPr id="4" name="Picture 3">
             <a:extLst>
               <a:ext uri="{FF2B5EF4-FFF2-40B4-BE49-F238E27FC236}">
-                <a16:creationId xmlns:a16="http://schemas.microsoft.com/office/drawing/2014/main" id="{C56338FC-57CE-45DC-85B1-2EA0194659F2}"/>
+                <a16:creationId xmlns:a16="http://schemas.microsoft.com/office/drawing/2014/main" id="{C9483D84-7612-49F5-A507-7DE9E64BBEAB}"/>
               </a:ext>
             </a:extLst>
           </p:cNvPr>
@@ -19503,8 +19503,8 @@
         </p:blipFill>
         <p:spPr>
           <a:xfrm>
-            <a:off x="1684554" y="2008459"/>
-            <a:ext cx="6936476" cy="3581710"/>
+            <a:off x="1880934" y="1214801"/>
+            <a:ext cx="7296519" cy="5145111"/>
           </a:xfrm>
           <a:prstGeom prst="rect">
             <a:avLst/>
